--- a/power-point/Learn How to Code.pptx
+++ b/power-point/Learn How to Code.pptx
@@ -105,6 +105,11 @@
       </a:defRPr>
     </a:lvl9pPr>
   </p:defaultTextStyle>
+  <p:extLst>
+    <p:ext uri="{EFAFB233-063F-42B5-8137-9DF3F51BA10A}">
+      <p15:sldGuideLst xmlns:p15="http://schemas.microsoft.com/office/powerpoint/2012/main"/>
+    </p:ext>
+  </p:extLst>
 </p:presentation>
 </file>
 
@@ -257,7 +262,7 @@
           <a:p>
             <a:fld id="{E3ECE598-8747-46D6-807C-1120169BB2FD}" type="datetimeFigureOut">
               <a:rPr lang="en-IN" smtClean="0"/>
-              <a:t>12-05-2025</a:t>
+              <a:t>13/05/25</a:t>
             </a:fld>
             <a:endParaRPr lang="en-IN"/>
           </a:p>
@@ -457,7 +462,7 @@
           <a:p>
             <a:fld id="{E3ECE598-8747-46D6-807C-1120169BB2FD}" type="datetimeFigureOut">
               <a:rPr lang="en-IN" smtClean="0"/>
-              <a:t>12-05-2025</a:t>
+              <a:t>13/05/25</a:t>
             </a:fld>
             <a:endParaRPr lang="en-IN"/>
           </a:p>
@@ -667,7 +672,7 @@
           <a:p>
             <a:fld id="{E3ECE598-8747-46D6-807C-1120169BB2FD}" type="datetimeFigureOut">
               <a:rPr lang="en-IN" smtClean="0"/>
-              <a:t>12-05-2025</a:t>
+              <a:t>13/05/25</a:t>
             </a:fld>
             <a:endParaRPr lang="en-IN"/>
           </a:p>
@@ -867,7 +872,7 @@
           <a:p>
             <a:fld id="{E3ECE598-8747-46D6-807C-1120169BB2FD}" type="datetimeFigureOut">
               <a:rPr lang="en-IN" smtClean="0"/>
-              <a:t>12-05-2025</a:t>
+              <a:t>13/05/25</a:t>
             </a:fld>
             <a:endParaRPr lang="en-IN"/>
           </a:p>
@@ -1143,7 +1148,7 @@
           <a:p>
             <a:fld id="{E3ECE598-8747-46D6-807C-1120169BB2FD}" type="datetimeFigureOut">
               <a:rPr lang="en-IN" smtClean="0"/>
-              <a:t>12-05-2025</a:t>
+              <a:t>13/05/25</a:t>
             </a:fld>
             <a:endParaRPr lang="en-IN"/>
           </a:p>
@@ -1411,7 +1416,7 @@
           <a:p>
             <a:fld id="{E3ECE598-8747-46D6-807C-1120169BB2FD}" type="datetimeFigureOut">
               <a:rPr lang="en-IN" smtClean="0"/>
-              <a:t>12-05-2025</a:t>
+              <a:t>13/05/25</a:t>
             </a:fld>
             <a:endParaRPr lang="en-IN"/>
           </a:p>
@@ -1826,7 +1831,7 @@
           <a:p>
             <a:fld id="{E3ECE598-8747-46D6-807C-1120169BB2FD}" type="datetimeFigureOut">
               <a:rPr lang="en-IN" smtClean="0"/>
-              <a:t>12-05-2025</a:t>
+              <a:t>13/05/25</a:t>
             </a:fld>
             <a:endParaRPr lang="en-IN"/>
           </a:p>
@@ -1968,7 +1973,7 @@
           <a:p>
             <a:fld id="{E3ECE598-8747-46D6-807C-1120169BB2FD}" type="datetimeFigureOut">
               <a:rPr lang="en-IN" smtClean="0"/>
-              <a:t>12-05-2025</a:t>
+              <a:t>13/05/25</a:t>
             </a:fld>
             <a:endParaRPr lang="en-IN"/>
           </a:p>
@@ -2081,7 +2086,7 @@
           <a:p>
             <a:fld id="{E3ECE598-8747-46D6-807C-1120169BB2FD}" type="datetimeFigureOut">
               <a:rPr lang="en-IN" smtClean="0"/>
-              <a:t>12-05-2025</a:t>
+              <a:t>13/05/25</a:t>
             </a:fld>
             <a:endParaRPr lang="en-IN"/>
           </a:p>
@@ -2394,7 +2399,7 @@
           <a:p>
             <a:fld id="{E3ECE598-8747-46D6-807C-1120169BB2FD}" type="datetimeFigureOut">
               <a:rPr lang="en-IN" smtClean="0"/>
-              <a:t>12-05-2025</a:t>
+              <a:t>13/05/25</a:t>
             </a:fld>
             <a:endParaRPr lang="en-IN"/>
           </a:p>
@@ -2683,7 +2688,7 @@
           <a:p>
             <a:fld id="{E3ECE598-8747-46D6-807C-1120169BB2FD}" type="datetimeFigureOut">
               <a:rPr lang="en-IN" smtClean="0"/>
-              <a:t>12-05-2025</a:t>
+              <a:t>13/05/25</a:t>
             </a:fld>
             <a:endParaRPr lang="en-IN"/>
           </a:p>
@@ -2926,7 +2931,7 @@
           <a:p>
             <a:fld id="{E3ECE598-8747-46D6-807C-1120169BB2FD}" type="datetimeFigureOut">
               <a:rPr lang="en-IN" smtClean="0"/>
-              <a:t>12-05-2025</a:t>
+              <a:t>13/05/25</a:t>
             </a:fld>
             <a:endParaRPr lang="en-IN"/>
           </a:p>
@@ -3461,10 +3466,9 @@
           <a:lstStyle/>
           <a:p>
             <a:r>
-              <a:rPr lang="en-IN"/>
+              <a:rPr lang="en-IN" dirty="0"/>
               <a:t>Learn How to Code</a:t>
             </a:r>
-            <a:endParaRPr lang="en-IN" dirty="0"/>
           </a:p>
         </p:txBody>
       </p:sp>
@@ -3514,6 +3518,92 @@
   <p:clrMapOvr>
     <a:masterClrMapping/>
   </p:clrMapOvr>
+  <p:timing>
+    <p:tnLst>
+      <p:par>
+        <p:cTn id="1" dur="indefinite" restart="never" nodeType="tmRoot">
+          <p:childTnLst>
+            <p:seq concurrent="1" nextAc="seek">
+              <p:cTn id="2" dur="indefinite" nodeType="mainSeq">
+                <p:childTnLst>
+                  <p:par>
+                    <p:cTn id="3" fill="hold">
+                      <p:stCondLst>
+                        <p:cond delay="indefinite"/>
+                      </p:stCondLst>
+                      <p:childTnLst>
+                        <p:par>
+                          <p:cTn id="4" fill="hold">
+                            <p:stCondLst>
+                              <p:cond delay="0"/>
+                            </p:stCondLst>
+                            <p:childTnLst>
+                              <p:par>
+                                <p:cTn id="5" presetID="20" presetClass="entr" presetSubtype="0" fill="hold" grpId="0" nodeType="clickEffect">
+                                  <p:stCondLst>
+                                    <p:cond delay="0"/>
+                                  </p:stCondLst>
+                                  <p:childTnLst>
+                                    <p:set>
+                                      <p:cBhvr>
+                                        <p:cTn id="6" dur="1" fill="hold">
+                                          <p:stCondLst>
+                                            <p:cond delay="0"/>
+                                          </p:stCondLst>
+                                        </p:cTn>
+                                        <p:tgtEl>
+                                          <p:spTgt spid="2"/>
+                                        </p:tgtEl>
+                                        <p:attrNameLst>
+                                          <p:attrName>style.visibility</p:attrName>
+                                        </p:attrNameLst>
+                                      </p:cBhvr>
+                                      <p:to>
+                                        <p:strVal val="visible"/>
+                                      </p:to>
+                                    </p:set>
+                                    <p:animEffect transition="in" filter="wedge">
+                                      <p:cBhvr>
+                                        <p:cTn id="7" dur="2000"/>
+                                        <p:tgtEl>
+                                          <p:spTgt spid="2"/>
+                                        </p:tgtEl>
+                                      </p:cBhvr>
+                                    </p:animEffect>
+                                  </p:childTnLst>
+                                </p:cTn>
+                              </p:par>
+                            </p:childTnLst>
+                          </p:cTn>
+                        </p:par>
+                      </p:childTnLst>
+                    </p:cTn>
+                  </p:par>
+                </p:childTnLst>
+              </p:cTn>
+              <p:prevCondLst>
+                <p:cond evt="onPrev" delay="0">
+                  <p:tgtEl>
+                    <p:sldTgt/>
+                  </p:tgtEl>
+                </p:cond>
+              </p:prevCondLst>
+              <p:nextCondLst>
+                <p:cond evt="onNext" delay="0">
+                  <p:tgtEl>
+                    <p:sldTgt/>
+                  </p:tgtEl>
+                </p:cond>
+              </p:nextCondLst>
+            </p:seq>
+          </p:childTnLst>
+        </p:cTn>
+      </p:par>
+    </p:tnLst>
+    <p:bldLst>
+      <p:bldP spid="2" grpId="0"/>
+    </p:bldLst>
+  </p:timing>
 </p:sld>
 </file>
 
@@ -3648,6 +3738,219 @@
   <p:clrMapOvr>
     <a:masterClrMapping/>
   </p:clrMapOvr>
+  <p:timing>
+    <p:tnLst>
+      <p:par>
+        <p:cTn id="1" dur="indefinite" restart="never" nodeType="tmRoot">
+          <p:childTnLst>
+            <p:seq concurrent="1" nextAc="seek">
+              <p:cTn id="2" dur="indefinite" nodeType="mainSeq">
+                <p:childTnLst>
+                  <p:par>
+                    <p:cTn id="3" fill="hold">
+                      <p:stCondLst>
+                        <p:cond delay="indefinite"/>
+                      </p:stCondLst>
+                      <p:childTnLst>
+                        <p:par>
+                          <p:cTn id="4" fill="hold">
+                            <p:stCondLst>
+                              <p:cond delay="0"/>
+                            </p:stCondLst>
+                            <p:childTnLst>
+                              <p:par>
+                                <p:cTn id="5" presetID="10" presetClass="entr" presetSubtype="0" fill="hold" nodeType="clickEffect">
+                                  <p:stCondLst>
+                                    <p:cond delay="0"/>
+                                  </p:stCondLst>
+                                  <p:childTnLst>
+                                    <p:set>
+                                      <p:cBhvr>
+                                        <p:cTn id="6" dur="1" fill="hold">
+                                          <p:stCondLst>
+                                            <p:cond delay="0"/>
+                                          </p:stCondLst>
+                                        </p:cTn>
+                                        <p:tgtEl>
+                                          <p:spTgt spid="3">
+                                            <p:txEl>
+                                              <p:pRg st="0" end="0"/>
+                                            </p:txEl>
+                                          </p:spTgt>
+                                        </p:tgtEl>
+                                        <p:attrNameLst>
+                                          <p:attrName>style.visibility</p:attrName>
+                                        </p:attrNameLst>
+                                      </p:cBhvr>
+                                      <p:to>
+                                        <p:strVal val="visible"/>
+                                      </p:to>
+                                    </p:set>
+                                    <p:animEffect transition="in" filter="fade">
+                                      <p:cBhvr>
+                                        <p:cTn id="7" dur="500"/>
+                                        <p:tgtEl>
+                                          <p:spTgt spid="3">
+                                            <p:txEl>
+                                              <p:pRg st="0" end="0"/>
+                                            </p:txEl>
+                                          </p:spTgt>
+                                        </p:tgtEl>
+                                      </p:cBhvr>
+                                    </p:animEffect>
+                                  </p:childTnLst>
+                                </p:cTn>
+                              </p:par>
+                            </p:childTnLst>
+                          </p:cTn>
+                        </p:par>
+                      </p:childTnLst>
+                    </p:cTn>
+                  </p:par>
+                  <p:par>
+                    <p:cTn id="8" fill="hold">
+                      <p:stCondLst>
+                        <p:cond delay="indefinite"/>
+                      </p:stCondLst>
+                      <p:childTnLst>
+                        <p:par>
+                          <p:cTn id="9" fill="hold">
+                            <p:stCondLst>
+                              <p:cond delay="0"/>
+                            </p:stCondLst>
+                            <p:childTnLst>
+                              <p:par>
+                                <p:cTn id="10" presetID="10" presetClass="entr" presetSubtype="0" fill="hold" nodeType="clickEffect">
+                                  <p:stCondLst>
+                                    <p:cond delay="0"/>
+                                  </p:stCondLst>
+                                  <p:childTnLst>
+                                    <p:set>
+                                      <p:cBhvr>
+                                        <p:cTn id="11" dur="1" fill="hold">
+                                          <p:stCondLst>
+                                            <p:cond delay="0"/>
+                                          </p:stCondLst>
+                                        </p:cTn>
+                                        <p:tgtEl>
+                                          <p:spTgt spid="3">
+                                            <p:txEl>
+                                              <p:pRg st="1" end="1"/>
+                                            </p:txEl>
+                                          </p:spTgt>
+                                        </p:tgtEl>
+                                        <p:attrNameLst>
+                                          <p:attrName>style.visibility</p:attrName>
+                                        </p:attrNameLst>
+                                      </p:cBhvr>
+                                      <p:to>
+                                        <p:strVal val="visible"/>
+                                      </p:to>
+                                    </p:set>
+                                    <p:animEffect transition="in" filter="fade">
+                                      <p:cBhvr>
+                                        <p:cTn id="12" dur="500"/>
+                                        <p:tgtEl>
+                                          <p:spTgt spid="3">
+                                            <p:txEl>
+                                              <p:pRg st="1" end="1"/>
+                                            </p:txEl>
+                                          </p:spTgt>
+                                        </p:tgtEl>
+                                      </p:cBhvr>
+                                    </p:animEffect>
+                                  </p:childTnLst>
+                                </p:cTn>
+                              </p:par>
+                            </p:childTnLst>
+                          </p:cTn>
+                        </p:par>
+                      </p:childTnLst>
+                    </p:cTn>
+                  </p:par>
+                  <p:par>
+                    <p:cTn id="13" fill="hold">
+                      <p:stCondLst>
+                        <p:cond delay="indefinite"/>
+                      </p:stCondLst>
+                      <p:childTnLst>
+                        <p:par>
+                          <p:cTn id="14" fill="hold">
+                            <p:stCondLst>
+                              <p:cond delay="0"/>
+                            </p:stCondLst>
+                            <p:childTnLst>
+                              <p:par>
+                                <p:cTn id="15" presetID="10" presetClass="entr" presetSubtype="0" fill="hold" nodeType="clickEffect">
+                                  <p:stCondLst>
+                                    <p:cond delay="0"/>
+                                  </p:stCondLst>
+                                  <p:childTnLst>
+                                    <p:set>
+                                      <p:cBhvr>
+                                        <p:cTn id="16" dur="1" fill="hold">
+                                          <p:stCondLst>
+                                            <p:cond delay="0"/>
+                                          </p:stCondLst>
+                                        </p:cTn>
+                                        <p:tgtEl>
+                                          <p:spTgt spid="3">
+                                            <p:txEl>
+                                              <p:pRg st="2" end="2"/>
+                                            </p:txEl>
+                                          </p:spTgt>
+                                        </p:tgtEl>
+                                        <p:attrNameLst>
+                                          <p:attrName>style.visibility</p:attrName>
+                                        </p:attrNameLst>
+                                      </p:cBhvr>
+                                      <p:to>
+                                        <p:strVal val="visible"/>
+                                      </p:to>
+                                    </p:set>
+                                    <p:animEffect transition="in" filter="fade">
+                                      <p:cBhvr>
+                                        <p:cTn id="17" dur="500"/>
+                                        <p:tgtEl>
+                                          <p:spTgt spid="3">
+                                            <p:txEl>
+                                              <p:pRg st="2" end="2"/>
+                                            </p:txEl>
+                                          </p:spTgt>
+                                        </p:tgtEl>
+                                      </p:cBhvr>
+                                    </p:animEffect>
+                                  </p:childTnLst>
+                                </p:cTn>
+                              </p:par>
+                            </p:childTnLst>
+                          </p:cTn>
+                        </p:par>
+                      </p:childTnLst>
+                    </p:cTn>
+                  </p:par>
+                </p:childTnLst>
+              </p:cTn>
+              <p:prevCondLst>
+                <p:cond evt="onPrev" delay="0">
+                  <p:tgtEl>
+                    <p:sldTgt/>
+                  </p:tgtEl>
+                </p:cond>
+              </p:prevCondLst>
+              <p:nextCondLst>
+                <p:cond evt="onNext" delay="0">
+                  <p:tgtEl>
+                    <p:sldTgt/>
+                  </p:tgtEl>
+                </p:cond>
+              </p:nextCondLst>
+            </p:seq>
+          </p:childTnLst>
+        </p:cTn>
+      </p:par>
+    </p:tnLst>
+  </p:timing>
 </p:sld>
 </file>
 

--- a/power-point/Learn How to Code.pptx
+++ b/power-point/Learn How to Code.pptx
@@ -7,6 +7,7 @@
   <p:sldIdLst>
     <p:sldId id="257" r:id="rId2"/>
     <p:sldId id="258" r:id="rId3"/>
+    <p:sldId id="259" r:id="rId4"/>
   </p:sldIdLst>
   <p:sldSz cx="12192000" cy="6858000"/>
   <p:notesSz cx="6858000" cy="9144000"/>
@@ -262,7 +263,7 @@
           <a:p>
             <a:fld id="{E3ECE598-8747-46D6-807C-1120169BB2FD}" type="datetimeFigureOut">
               <a:rPr lang="en-IN" smtClean="0"/>
-              <a:t>13/05/25</a:t>
+              <a:t>15/05/25</a:t>
             </a:fld>
             <a:endParaRPr lang="en-IN"/>
           </a:p>
@@ -462,7 +463,7 @@
           <a:p>
             <a:fld id="{E3ECE598-8747-46D6-807C-1120169BB2FD}" type="datetimeFigureOut">
               <a:rPr lang="en-IN" smtClean="0"/>
-              <a:t>13/05/25</a:t>
+              <a:t>15/05/25</a:t>
             </a:fld>
             <a:endParaRPr lang="en-IN"/>
           </a:p>
@@ -672,7 +673,7 @@
           <a:p>
             <a:fld id="{E3ECE598-8747-46D6-807C-1120169BB2FD}" type="datetimeFigureOut">
               <a:rPr lang="en-IN" smtClean="0"/>
-              <a:t>13/05/25</a:t>
+              <a:t>15/05/25</a:t>
             </a:fld>
             <a:endParaRPr lang="en-IN"/>
           </a:p>
@@ -872,7 +873,7 @@
           <a:p>
             <a:fld id="{E3ECE598-8747-46D6-807C-1120169BB2FD}" type="datetimeFigureOut">
               <a:rPr lang="en-IN" smtClean="0"/>
-              <a:t>13/05/25</a:t>
+              <a:t>15/05/25</a:t>
             </a:fld>
             <a:endParaRPr lang="en-IN"/>
           </a:p>
@@ -1148,7 +1149,7 @@
           <a:p>
             <a:fld id="{E3ECE598-8747-46D6-807C-1120169BB2FD}" type="datetimeFigureOut">
               <a:rPr lang="en-IN" smtClean="0"/>
-              <a:t>13/05/25</a:t>
+              <a:t>15/05/25</a:t>
             </a:fld>
             <a:endParaRPr lang="en-IN"/>
           </a:p>
@@ -1416,7 +1417,7 @@
           <a:p>
             <a:fld id="{E3ECE598-8747-46D6-807C-1120169BB2FD}" type="datetimeFigureOut">
               <a:rPr lang="en-IN" smtClean="0"/>
-              <a:t>13/05/25</a:t>
+              <a:t>15/05/25</a:t>
             </a:fld>
             <a:endParaRPr lang="en-IN"/>
           </a:p>
@@ -1831,7 +1832,7 @@
           <a:p>
             <a:fld id="{E3ECE598-8747-46D6-807C-1120169BB2FD}" type="datetimeFigureOut">
               <a:rPr lang="en-IN" smtClean="0"/>
-              <a:t>13/05/25</a:t>
+              <a:t>15/05/25</a:t>
             </a:fld>
             <a:endParaRPr lang="en-IN"/>
           </a:p>
@@ -1973,7 +1974,7 @@
           <a:p>
             <a:fld id="{E3ECE598-8747-46D6-807C-1120169BB2FD}" type="datetimeFigureOut">
               <a:rPr lang="en-IN" smtClean="0"/>
-              <a:t>13/05/25</a:t>
+              <a:t>15/05/25</a:t>
             </a:fld>
             <a:endParaRPr lang="en-IN"/>
           </a:p>
@@ -2086,7 +2087,7 @@
           <a:p>
             <a:fld id="{E3ECE598-8747-46D6-807C-1120169BB2FD}" type="datetimeFigureOut">
               <a:rPr lang="en-IN" smtClean="0"/>
-              <a:t>13/05/25</a:t>
+              <a:t>15/05/25</a:t>
             </a:fld>
             <a:endParaRPr lang="en-IN"/>
           </a:p>
@@ -2399,7 +2400,7 @@
           <a:p>
             <a:fld id="{E3ECE598-8747-46D6-807C-1120169BB2FD}" type="datetimeFigureOut">
               <a:rPr lang="en-IN" smtClean="0"/>
-              <a:t>13/05/25</a:t>
+              <a:t>15/05/25</a:t>
             </a:fld>
             <a:endParaRPr lang="en-IN"/>
           </a:p>
@@ -2688,7 +2689,7 @@
           <a:p>
             <a:fld id="{E3ECE598-8747-46D6-807C-1120169BB2FD}" type="datetimeFigureOut">
               <a:rPr lang="en-IN" smtClean="0"/>
-              <a:t>13/05/25</a:t>
+              <a:t>15/05/25</a:t>
             </a:fld>
             <a:endParaRPr lang="en-IN"/>
           </a:p>
@@ -2931,7 +2932,7 @@
           <a:p>
             <a:fld id="{E3ECE598-8747-46D6-807C-1120169BB2FD}" type="datetimeFigureOut">
               <a:rPr lang="en-IN" smtClean="0"/>
-              <a:t>13/05/25</a:t>
+              <a:t>15/05/25</a:t>
             </a:fld>
             <a:endParaRPr lang="en-IN"/>
           </a:p>
@@ -3954,6 +3955,320 @@
 </p:sld>
 </file>
 
+<file path=ppt/slides/slide3.xml><?xml version="1.0" encoding="utf-8"?>
+<p:sld xmlns:a="http://schemas.openxmlformats.org/drawingml/2006/main" xmlns:r="http://schemas.openxmlformats.org/officeDocument/2006/relationships" xmlns:p="http://schemas.openxmlformats.org/presentationml/2006/main">
+  <p:cSld>
+    <p:spTree>
+      <p:nvGrpSpPr>
+        <p:cNvPr id="1" name=""/>
+        <p:cNvGrpSpPr/>
+        <p:nvPr/>
+      </p:nvGrpSpPr>
+      <p:grpSpPr>
+        <a:xfrm>
+          <a:off x="0" y="0"/>
+          <a:ext cx="0" cy="0"/>
+          <a:chOff x="0" y="0"/>
+          <a:chExt cx="0" cy="0"/>
+        </a:xfrm>
+      </p:grpSpPr>
+      <p:sp>
+        <p:nvSpPr>
+          <p:cNvPr id="2" name="Title 1">
+            <a:extLst>
+              <a:ext uri="{FF2B5EF4-FFF2-40B4-BE49-F238E27FC236}">
+                <a16:creationId xmlns:a16="http://schemas.microsoft.com/office/drawing/2014/main" id="{2B08B9AD-629B-453F-EFD6-6B7DF7A8BC45}"/>
+              </a:ext>
+            </a:extLst>
+          </p:cNvPr>
+          <p:cNvSpPr>
+            <a:spLocks noGrp="1"/>
+          </p:cNvSpPr>
+          <p:nvPr>
+            <p:ph type="title"/>
+          </p:nvPr>
+        </p:nvSpPr>
+        <p:spPr/>
+        <p:txBody>
+          <a:bodyPr/>
+          <a:lstStyle/>
+          <a:p>
+            <a:r>
+              <a:rPr lang="en-US" dirty="0"/>
+              <a:t>How to continue for coding practice</a:t>
+            </a:r>
+          </a:p>
+        </p:txBody>
+      </p:sp>
+      <p:sp>
+        <p:nvSpPr>
+          <p:cNvPr id="3" name="Content Placeholder 2">
+            <a:extLst>
+              <a:ext uri="{FF2B5EF4-FFF2-40B4-BE49-F238E27FC236}">
+                <a16:creationId xmlns:a16="http://schemas.microsoft.com/office/drawing/2014/main" id="{AD1E12F1-BFB2-4801-CA6C-7AE28E5F7BED}"/>
+              </a:ext>
+            </a:extLst>
+          </p:cNvPr>
+          <p:cNvSpPr>
+            <a:spLocks noGrp="1"/>
+          </p:cNvSpPr>
+          <p:nvPr>
+            <p:ph idx="1"/>
+          </p:nvPr>
+        </p:nvSpPr>
+        <p:spPr/>
+        <p:txBody>
+          <a:bodyPr/>
+          <a:lstStyle/>
+          <a:p>
+            <a:r>
+              <a:rPr lang="en-US" dirty="0"/>
+              <a:t>start</a:t>
+            </a:r>
+          </a:p>
+        </p:txBody>
+      </p:sp>
+      <p:sp>
+        <p:nvSpPr>
+          <p:cNvPr id="4" name="Down Arrow 3">
+            <a:extLst>
+              <a:ext uri="{FF2B5EF4-FFF2-40B4-BE49-F238E27FC236}">
+                <a16:creationId xmlns:a16="http://schemas.microsoft.com/office/drawing/2014/main" id="{729BC236-D96D-E03A-3F78-1499206D360D}"/>
+              </a:ext>
+            </a:extLst>
+          </p:cNvPr>
+          <p:cNvSpPr/>
+          <p:nvPr/>
+        </p:nvSpPr>
+        <p:spPr>
+          <a:xfrm rot="16200000">
+            <a:off x="5154930" y="2846070"/>
+            <a:ext cx="1337310" cy="1920240"/>
+          </a:xfrm>
+          <a:prstGeom prst="downArrow">
+            <a:avLst/>
+          </a:prstGeom>
+          <a:solidFill>
+            <a:srgbClr val="00B050"/>
+          </a:solidFill>
+        </p:spPr>
+        <p:style>
+          <a:lnRef idx="2">
+            <a:schemeClr val="accent1">
+              <a:shade val="15000"/>
+            </a:schemeClr>
+          </a:lnRef>
+          <a:fillRef idx="1">
+            <a:schemeClr val="accent1"/>
+          </a:fillRef>
+          <a:effectRef idx="0">
+            <a:schemeClr val="accent1"/>
+          </a:effectRef>
+          <a:fontRef idx="minor">
+            <a:schemeClr val="lt1"/>
+          </a:fontRef>
+        </p:style>
+        <p:txBody>
+          <a:bodyPr rtlCol="0" anchor="ctr"/>
+          <a:lstStyle/>
+          <a:p>
+            <a:pPr algn="ctr"/>
+            <a:endParaRPr lang="en-US">
+              <a:solidFill>
+                <a:schemeClr val="accent2"/>
+              </a:solidFill>
+            </a:endParaRPr>
+          </a:p>
+        </p:txBody>
+      </p:sp>
+      <p:sp>
+        <p:nvSpPr>
+          <p:cNvPr id="5" name="Freeform 4">
+            <a:extLst>
+              <a:ext uri="{FF2B5EF4-FFF2-40B4-BE49-F238E27FC236}">
+                <a16:creationId xmlns:a16="http://schemas.microsoft.com/office/drawing/2014/main" id="{4CA3E948-C64E-2547-F1A0-78FF9BF7F41D}"/>
+              </a:ext>
+            </a:extLst>
+          </p:cNvPr>
+          <p:cNvSpPr/>
+          <p:nvPr/>
+        </p:nvSpPr>
+        <p:spPr>
+          <a:xfrm>
+            <a:off x="536914" y="449704"/>
+            <a:ext cx="11010888" cy="5674580"/>
+          </a:xfrm>
+          <a:custGeom>
+            <a:avLst/>
+            <a:gdLst>
+              <a:gd name="connsiteX0" fmla="*/ 1109006 w 11010888"/>
+              <a:gd name="connsiteY0" fmla="*/ 3002156 h 5674580"/>
+              <a:gd name="connsiteX1" fmla="*/ 2560616 w 11010888"/>
+              <a:gd name="connsiteY1" fmla="*/ 4373756 h 5674580"/>
+              <a:gd name="connsiteX2" fmla="*/ 5338106 w 11010888"/>
+              <a:gd name="connsiteY2" fmla="*/ 1802006 h 5674580"/>
+              <a:gd name="connsiteX3" fmla="*/ 8229896 w 11010888"/>
+              <a:gd name="connsiteY3" fmla="*/ 4716656 h 5674580"/>
+              <a:gd name="connsiteX4" fmla="*/ 10493036 w 11010888"/>
+              <a:gd name="connsiteY4" fmla="*/ 1756286 h 5674580"/>
+              <a:gd name="connsiteX5" fmla="*/ 10470176 w 11010888"/>
+              <a:gd name="connsiteY5" fmla="*/ 1802006 h 5674580"/>
+              <a:gd name="connsiteX6" fmla="*/ 296 w 11010888"/>
+              <a:gd name="connsiteY6" fmla="*/ 1447676 h 5674580"/>
+              <a:gd name="connsiteX7" fmla="*/ 10824506 w 11010888"/>
+              <a:gd name="connsiteY7" fmla="*/ 167516 h 5674580"/>
+              <a:gd name="connsiteX8" fmla="*/ 6629696 w 11010888"/>
+              <a:gd name="connsiteY8" fmla="*/ 5653916 h 5674580"/>
+              <a:gd name="connsiteX9" fmla="*/ 3737906 w 11010888"/>
+              <a:gd name="connsiteY9" fmla="*/ 2133476 h 5674580"/>
+              <a:gd name="connsiteX10" fmla="*/ 1074716 w 11010888"/>
+              <a:gd name="connsiteY10" fmla="*/ 4613786 h 5674580"/>
+              <a:gd name="connsiteX11" fmla="*/ 617516 w 11010888"/>
+              <a:gd name="connsiteY11" fmla="*/ 2396366 h 5674580"/>
+            </a:gdLst>
+            <a:ahLst/>
+            <a:cxnLst>
+              <a:cxn ang="0">
+                <a:pos x="connsiteX0" y="connsiteY0"/>
+              </a:cxn>
+              <a:cxn ang="0">
+                <a:pos x="connsiteX1" y="connsiteY1"/>
+              </a:cxn>
+              <a:cxn ang="0">
+                <a:pos x="connsiteX2" y="connsiteY2"/>
+              </a:cxn>
+              <a:cxn ang="0">
+                <a:pos x="connsiteX3" y="connsiteY3"/>
+              </a:cxn>
+              <a:cxn ang="0">
+                <a:pos x="connsiteX4" y="connsiteY4"/>
+              </a:cxn>
+              <a:cxn ang="0">
+                <a:pos x="connsiteX5" y="connsiteY5"/>
+              </a:cxn>
+              <a:cxn ang="0">
+                <a:pos x="connsiteX6" y="connsiteY6"/>
+              </a:cxn>
+              <a:cxn ang="0">
+                <a:pos x="connsiteX7" y="connsiteY7"/>
+              </a:cxn>
+              <a:cxn ang="0">
+                <a:pos x="connsiteX8" y="connsiteY8"/>
+              </a:cxn>
+              <a:cxn ang="0">
+                <a:pos x="connsiteX9" y="connsiteY9"/>
+              </a:cxn>
+              <a:cxn ang="0">
+                <a:pos x="connsiteX10" y="connsiteY10"/>
+              </a:cxn>
+              <a:cxn ang="0">
+                <a:pos x="connsiteX11" y="connsiteY11"/>
+              </a:cxn>
+            </a:cxnLst>
+            <a:rect l="l" t="t" r="r" b="b"/>
+            <a:pathLst>
+              <a:path w="11010888" h="5674580">
+                <a:moveTo>
+                  <a:pt x="1109006" y="3002156"/>
+                </a:moveTo>
+                <a:cubicBezTo>
+                  <a:pt x="1482386" y="3787968"/>
+                  <a:pt x="1855766" y="4573781"/>
+                  <a:pt x="2560616" y="4373756"/>
+                </a:cubicBezTo>
+                <a:cubicBezTo>
+                  <a:pt x="3265466" y="4173731"/>
+                  <a:pt x="4393226" y="1744856"/>
+                  <a:pt x="5338106" y="1802006"/>
+                </a:cubicBezTo>
+                <a:cubicBezTo>
+                  <a:pt x="6282986" y="1859156"/>
+                  <a:pt x="7370741" y="4724276"/>
+                  <a:pt x="8229896" y="4716656"/>
+                </a:cubicBezTo>
+                <a:cubicBezTo>
+                  <a:pt x="9089051" y="4709036"/>
+                  <a:pt x="10119656" y="2242061"/>
+                  <a:pt x="10493036" y="1756286"/>
+                </a:cubicBezTo>
+                <a:cubicBezTo>
+                  <a:pt x="10866416" y="1270511"/>
+                  <a:pt x="10470176" y="1802006"/>
+                  <a:pt x="10470176" y="1802006"/>
+                </a:cubicBezTo>
+                <a:cubicBezTo>
+                  <a:pt x="8721386" y="1750571"/>
+                  <a:pt x="-58759" y="1720091"/>
+                  <a:pt x="296" y="1447676"/>
+                </a:cubicBezTo>
+                <a:cubicBezTo>
+                  <a:pt x="59351" y="1175261"/>
+                  <a:pt x="9719606" y="-533524"/>
+                  <a:pt x="10824506" y="167516"/>
+                </a:cubicBezTo>
+                <a:cubicBezTo>
+                  <a:pt x="11929406" y="868556"/>
+                  <a:pt x="7810796" y="5326256"/>
+                  <a:pt x="6629696" y="5653916"/>
+                </a:cubicBezTo>
+                <a:cubicBezTo>
+                  <a:pt x="5448596" y="5981576"/>
+                  <a:pt x="4663736" y="2306831"/>
+                  <a:pt x="3737906" y="2133476"/>
+                </a:cubicBezTo>
+                <a:cubicBezTo>
+                  <a:pt x="2812076" y="1960121"/>
+                  <a:pt x="1594781" y="4569971"/>
+                  <a:pt x="1074716" y="4613786"/>
+                </a:cubicBezTo>
+                <a:cubicBezTo>
+                  <a:pt x="554651" y="4657601"/>
+                  <a:pt x="586083" y="3526983"/>
+                  <a:pt x="617516" y="2396366"/>
+                </a:cubicBezTo>
+              </a:path>
+            </a:pathLst>
+          </a:custGeom>
+          <a:noFill/>
+        </p:spPr>
+        <p:style>
+          <a:lnRef idx="2">
+            <a:schemeClr val="accent1">
+              <a:shade val="15000"/>
+            </a:schemeClr>
+          </a:lnRef>
+          <a:fillRef idx="1">
+            <a:schemeClr val="accent1"/>
+          </a:fillRef>
+          <a:effectRef idx="0">
+            <a:schemeClr val="accent1"/>
+          </a:effectRef>
+          <a:fontRef idx="minor">
+            <a:schemeClr val="lt1"/>
+          </a:fontRef>
+        </p:style>
+        <p:txBody>
+          <a:bodyPr rtlCol="0" anchor="ctr"/>
+          <a:lstStyle/>
+          <a:p>
+            <a:pPr algn="ctr"/>
+            <a:endParaRPr lang="en-US"/>
+          </a:p>
+        </p:txBody>
+      </p:sp>
+    </p:spTree>
+    <p:extLst>
+      <p:ext uri="{BB962C8B-B14F-4D97-AF65-F5344CB8AC3E}">
+        <p14:creationId xmlns:p14="http://schemas.microsoft.com/office/powerpoint/2010/main" val="2016232350"/>
+      </p:ext>
+    </p:extLst>
+  </p:cSld>
+  <p:clrMapOvr>
+    <a:masterClrMapping/>
+  </p:clrMapOvr>
+</p:sld>
+</file>
+
 <file path=ppt/theme/theme1.xml><?xml version="1.0" encoding="utf-8"?>
 <a:theme xmlns:a="http://schemas.openxmlformats.org/drawingml/2006/main" name="Office Theme">
   <a:themeElements>
